--- a/00 PRESENTACIONES compartida alumnos/1DAM PRESENTACIÓN tutoría.pptx
+++ b/00 PRESENTACIONES compartida alumnos/1DAM PRESENTACIÓN tutoría.pptx
@@ -167,18 +167,87 @@
 </p:presentation>
 </file>
 
-<file path=ppt/revisionInfo.xml><?xml version="1.0" encoding="utf-8"?>
-<p1510:revInfo xmlns:a="http://schemas.openxmlformats.org/drawingml/2006/main" xmlns:r="http://schemas.openxmlformats.org/officeDocument/2006/relationships" xmlns:p1510="http://schemas.microsoft.com/office/powerpoint/2015/10/main">
-  <p1510:revLst>
-    <p1510:client id="{862E6893-9E43-49CB-9CE8-0692013F5DA8}" v="24" dt="2024-09-14T16:54:40.175"/>
-    <p1510:client id="{C6CEB71D-6EF6-EBD8-1091-F7B7448DDBDA}" v="36" dt="2024-09-14T17:01:21.645"/>
-    <p1510:client id="{F15B1374-7B7B-86AC-1374-67D5508D71AD}" v="8" dt="2024-09-14T16:34:46.980"/>
-  </p1510:revLst>
-</p1510:revInfo>
-</file>
-
 <file path=ppt/changesInfos/changesInfo1.xml><?xml version="1.0" encoding="utf-8"?>
 <pc:chgInfo xmlns:a="http://schemas.openxmlformats.org/drawingml/2006/main" xmlns:r="http://schemas.openxmlformats.org/officeDocument/2006/relationships" xmlns:ac="http://schemas.microsoft.com/office/drawing/2013/main/command" xmlns:pc="http://schemas.microsoft.com/office/powerpoint/2013/main/command">
+  <pc:docChgLst>
+    <pc:chgData name="MIGUEL TRIGUEROS MUÑOZ" userId="S::miguel.trigueros@aulaxxi.murciaeduca.es::a4ee0321-97d7-430f-98a8-7ed13ff9a4bf" providerId="AD" clId="Web-{F15B1374-7B7B-86AC-1374-67D5508D71AD}"/>
+    <pc:docChg chg="modSld">
+      <pc:chgData name="MIGUEL TRIGUEROS MUÑOZ" userId="S::miguel.trigueros@aulaxxi.murciaeduca.es::a4ee0321-97d7-430f-98a8-7ed13ff9a4bf" providerId="AD" clId="Web-{F15B1374-7B7B-86AC-1374-67D5508D71AD}" dt="2024-09-14T16:34:46.980" v="6" actId="1076"/>
+      <pc:docMkLst>
+        <pc:docMk/>
+      </pc:docMkLst>
+      <pc:sldChg chg="addSp delSp modSp">
+        <pc:chgData name="MIGUEL TRIGUEROS MUÑOZ" userId="S::miguel.trigueros@aulaxxi.murciaeduca.es::a4ee0321-97d7-430f-98a8-7ed13ff9a4bf" providerId="AD" clId="Web-{F15B1374-7B7B-86AC-1374-67D5508D71AD}" dt="2024-09-14T16:34:46.980" v="6" actId="1076"/>
+        <pc:sldMkLst>
+          <pc:docMk/>
+          <pc:sldMk cId="0" sldId="261"/>
+        </pc:sldMkLst>
+      </pc:sldChg>
+      <pc:sldChg chg="modSp">
+        <pc:chgData name="MIGUEL TRIGUEROS MUÑOZ" userId="S::miguel.trigueros@aulaxxi.murciaeduca.es::a4ee0321-97d7-430f-98a8-7ed13ff9a4bf" providerId="AD" clId="Web-{F15B1374-7B7B-86AC-1374-67D5508D71AD}" dt="2024-09-14T16:33:42.728" v="1" actId="1076"/>
+        <pc:sldMkLst>
+          <pc:docMk/>
+          <pc:sldMk cId="442131827" sldId="287"/>
+        </pc:sldMkLst>
+      </pc:sldChg>
+    </pc:docChg>
+  </pc:docChgLst>
+  <pc:docChgLst>
+    <pc:chgData name="MIGUEL TRIGUEROS MUÑOZ" userId="a4ee0321-97d7-430f-98a8-7ed13ff9a4bf" providerId="ADAL" clId="{932669DC-54BC-457A-9F94-21DCAE77B92A}"/>
+    <pc:docChg chg="undo custSel modSld modMainMaster">
+      <pc:chgData name="MIGUEL TRIGUEROS MUÑOZ" userId="a4ee0321-97d7-430f-98a8-7ed13ff9a4bf" providerId="ADAL" clId="{932669DC-54BC-457A-9F94-21DCAE77B92A}" dt="2025-04-03T06:59:05.176" v="117" actId="404"/>
+      <pc:docMkLst>
+        <pc:docMk/>
+      </pc:docMkLst>
+      <pc:sldChg chg="modSp mod">
+        <pc:chgData name="MIGUEL TRIGUEROS MUÑOZ" userId="a4ee0321-97d7-430f-98a8-7ed13ff9a4bf" providerId="ADAL" clId="{932669DC-54BC-457A-9F94-21DCAE77B92A}" dt="2025-04-03T06:58:10.693" v="95" actId="14100"/>
+        <pc:sldMkLst>
+          <pc:docMk/>
+          <pc:sldMk cId="0" sldId="274"/>
+        </pc:sldMkLst>
+        <pc:spChg chg="mod">
+          <ac:chgData name="MIGUEL TRIGUEROS MUÑOZ" userId="a4ee0321-97d7-430f-98a8-7ed13ff9a4bf" providerId="ADAL" clId="{932669DC-54BC-457A-9F94-21DCAE77B92A}" dt="2025-04-03T06:58:05.759" v="94" actId="14100"/>
+          <ac:spMkLst>
+            <pc:docMk/>
+            <pc:sldMk cId="0" sldId="274"/>
+            <ac:spMk id="4" creationId="{00000000-0000-0000-0000-000000000000}"/>
+          </ac:spMkLst>
+        </pc:spChg>
+        <pc:spChg chg="mod">
+          <ac:chgData name="MIGUEL TRIGUEROS MUÑOZ" userId="a4ee0321-97d7-430f-98a8-7ed13ff9a4bf" providerId="ADAL" clId="{932669DC-54BC-457A-9F94-21DCAE77B92A}" dt="2025-04-03T06:58:10.693" v="95" actId="14100"/>
+          <ac:spMkLst>
+            <pc:docMk/>
+            <pc:sldMk cId="0" sldId="274"/>
+            <ac:spMk id="6" creationId="{00000000-0000-0000-0000-000000000000}"/>
+          </ac:spMkLst>
+        </pc:spChg>
+      </pc:sldChg>
+      <pc:sldMasterChg chg="modSldLayout">
+        <pc:chgData name="MIGUEL TRIGUEROS MUÑOZ" userId="a4ee0321-97d7-430f-98a8-7ed13ff9a4bf" providerId="ADAL" clId="{932669DC-54BC-457A-9F94-21DCAE77B92A}" dt="2025-04-03T06:59:05.176" v="117" actId="404"/>
+        <pc:sldMasterMkLst>
+          <pc:docMk/>
+          <pc:sldMasterMk cId="0" sldId="2147483660"/>
+        </pc:sldMasterMkLst>
+        <pc:sldLayoutChg chg="modSp mod">
+          <pc:chgData name="MIGUEL TRIGUEROS MUÑOZ" userId="a4ee0321-97d7-430f-98a8-7ed13ff9a4bf" providerId="ADAL" clId="{932669DC-54BC-457A-9F94-21DCAE77B92A}" dt="2025-04-03T06:59:05.176" v="117" actId="404"/>
+          <pc:sldLayoutMkLst>
+            <pc:docMk/>
+            <pc:sldMasterMk cId="0" sldId="2147483660"/>
+            <pc:sldLayoutMk cId="0" sldId="2147483672"/>
+          </pc:sldLayoutMkLst>
+          <pc:spChg chg="mod">
+            <ac:chgData name="MIGUEL TRIGUEROS MUÑOZ" userId="a4ee0321-97d7-430f-98a8-7ed13ff9a4bf" providerId="ADAL" clId="{932669DC-54BC-457A-9F94-21DCAE77B92A}" dt="2025-04-03T06:59:05.176" v="117" actId="404"/>
+            <ac:spMkLst>
+              <pc:docMk/>
+              <pc:sldMasterMk cId="0" sldId="2147483660"/>
+              <pc:sldLayoutMk cId="0" sldId="2147483672"/>
+              <ac:spMk id="10" creationId="{00000000-0000-0000-0000-000000000000}"/>
+            </ac:spMkLst>
+          </pc:spChg>
+        </pc:sldLayoutChg>
+      </pc:sldMasterChg>
+    </pc:docChg>
+  </pc:docChgLst>
   <pc:docChgLst>
     <pc:chgData name="MIGUEL TRIGUEROS MUÑOZ" userId="S::miguel.trigueros@aulaxxi.murciaeduca.es::a4ee0321-97d7-430f-98a8-7ed13ff9a4bf" providerId="AD" clId="Web-{C6CEB71D-6EF6-EBD8-1091-F7B7448DDBDA}"/>
     <pc:docChg chg="addSld delSld modSld sldOrd">
@@ -199,14 +268,6 @@
           <pc:docMk/>
           <pc:sldMk cId="442131827" sldId="287"/>
         </pc:sldMkLst>
-        <pc:spChg chg="mod">
-          <ac:chgData name="MIGUEL TRIGUEROS MUÑOZ" userId="S::miguel.trigueros@aulaxxi.murciaeduca.es::a4ee0321-97d7-430f-98a8-7ed13ff9a4bf" providerId="AD" clId="Web-{C6CEB71D-6EF6-EBD8-1091-F7B7448DDBDA}" dt="2024-09-14T16:57:55.195" v="8" actId="20577"/>
-          <ac:spMkLst>
-            <pc:docMk/>
-            <pc:sldMk cId="442131827" sldId="287"/>
-            <ac:spMk id="5" creationId="{00000000-0000-0000-0000-000000000000}"/>
-          </ac:spMkLst>
-        </pc:spChg>
       </pc:sldChg>
       <pc:sldChg chg="addSp modSp add del">
         <pc:chgData name="MIGUEL TRIGUEROS MUÑOZ" userId="S::miguel.trigueros@aulaxxi.murciaeduca.es::a4ee0321-97d7-430f-98a8-7ed13ff9a4bf" providerId="AD" clId="Web-{C6CEB71D-6EF6-EBD8-1091-F7B7448DDBDA}" dt="2024-09-14T17:01:21.645" v="26" actId="1076"/>
@@ -214,77 +275,6 @@
           <pc:docMk/>
           <pc:sldMk cId="4021816360" sldId="289"/>
         </pc:sldMkLst>
-        <pc:spChg chg="add mod">
-          <ac:chgData name="MIGUEL TRIGUEROS MUÑOZ" userId="S::miguel.trigueros@aulaxxi.murciaeduca.es::a4ee0321-97d7-430f-98a8-7ed13ff9a4bf" providerId="AD" clId="Web-{C6CEB71D-6EF6-EBD8-1091-F7B7448DDBDA}" dt="2024-09-14T17:01:21.645" v="26" actId="1076"/>
-          <ac:spMkLst>
-            <pc:docMk/>
-            <pc:sldMk cId="4021816360" sldId="289"/>
-            <ac:spMk id="2" creationId="{04284E43-C95D-F558-FA4E-49E2D2D92738}"/>
-          </ac:spMkLst>
-        </pc:spChg>
-        <pc:spChg chg="add mod">
-          <ac:chgData name="MIGUEL TRIGUEROS MUÑOZ" userId="S::miguel.trigueros@aulaxxi.murciaeduca.es::a4ee0321-97d7-430f-98a8-7ed13ff9a4bf" providerId="AD" clId="Web-{C6CEB71D-6EF6-EBD8-1091-F7B7448DDBDA}" dt="2024-09-14T17:01:12.254" v="24" actId="20577"/>
-          <ac:spMkLst>
-            <pc:docMk/>
-            <pc:sldMk cId="4021816360" sldId="289"/>
-            <ac:spMk id="4" creationId="{D20EB0B9-47E3-C43C-EF9A-612B8D8772C0}"/>
-          </ac:spMkLst>
-        </pc:spChg>
-        <pc:picChg chg="mod">
-          <ac:chgData name="MIGUEL TRIGUEROS MUÑOZ" userId="S::miguel.trigueros@aulaxxi.murciaeduca.es::a4ee0321-97d7-430f-98a8-7ed13ff9a4bf" providerId="AD" clId="Web-{C6CEB71D-6EF6-EBD8-1091-F7B7448DDBDA}" dt="2024-09-14T16:58:20.212" v="9" actId="14100"/>
-          <ac:picMkLst>
-            <pc:docMk/>
-            <pc:sldMk cId="4021816360" sldId="289"/>
-            <ac:picMk id="2063" creationId="{00000000-0000-0000-0000-000000000000}"/>
-          </ac:picMkLst>
-        </pc:picChg>
-      </pc:sldChg>
-    </pc:docChg>
-  </pc:docChgLst>
-  <pc:docChgLst>
-    <pc:chgData name="MIGUEL TRIGUEROS MUÑOZ" userId="S::miguel.trigueros@aulaxxi.murciaeduca.es::a4ee0321-97d7-430f-98a8-7ed13ff9a4bf" providerId="AD" clId="Web-{F15B1374-7B7B-86AC-1374-67D5508D71AD}"/>
-    <pc:docChg chg="modSld">
-      <pc:chgData name="MIGUEL TRIGUEROS MUÑOZ" userId="S::miguel.trigueros@aulaxxi.murciaeduca.es::a4ee0321-97d7-430f-98a8-7ed13ff9a4bf" providerId="AD" clId="Web-{F15B1374-7B7B-86AC-1374-67D5508D71AD}" dt="2024-09-14T16:34:46.980" v="6" actId="1076"/>
-      <pc:docMkLst>
-        <pc:docMk/>
-      </pc:docMkLst>
-      <pc:sldChg chg="addSp delSp modSp">
-        <pc:chgData name="MIGUEL TRIGUEROS MUÑOZ" userId="S::miguel.trigueros@aulaxxi.murciaeduca.es::a4ee0321-97d7-430f-98a8-7ed13ff9a4bf" providerId="AD" clId="Web-{F15B1374-7B7B-86AC-1374-67D5508D71AD}" dt="2024-09-14T16:34:46.980" v="6" actId="1076"/>
-        <pc:sldMkLst>
-          <pc:docMk/>
-          <pc:sldMk cId="0" sldId="261"/>
-        </pc:sldMkLst>
-        <pc:picChg chg="add mod">
-          <ac:chgData name="MIGUEL TRIGUEROS MUÑOZ" userId="S::miguel.trigueros@aulaxxi.murciaeduca.es::a4ee0321-97d7-430f-98a8-7ed13ff9a4bf" providerId="AD" clId="Web-{F15B1374-7B7B-86AC-1374-67D5508D71AD}" dt="2024-09-14T16:34:46.980" v="6" actId="1076"/>
-          <ac:picMkLst>
-            <pc:docMk/>
-            <pc:sldMk cId="0" sldId="261"/>
-            <ac:picMk id="2" creationId="{D626EDB7-A7D2-54D1-C075-A0D8812F2C02}"/>
-          </ac:picMkLst>
-        </pc:picChg>
-        <pc:picChg chg="del">
-          <ac:chgData name="MIGUEL TRIGUEROS MUÑOZ" userId="S::miguel.trigueros@aulaxxi.murciaeduca.es::a4ee0321-97d7-430f-98a8-7ed13ff9a4bf" providerId="AD" clId="Web-{F15B1374-7B7B-86AC-1374-67D5508D71AD}" dt="2024-09-14T16:33:55.041" v="2"/>
-          <ac:picMkLst>
-            <pc:docMk/>
-            <pc:sldMk cId="0" sldId="261"/>
-            <ac:picMk id="7" creationId="{2FA91C56-83D1-75B8-2AA7-24DAE4A4BE58}"/>
-          </ac:picMkLst>
-        </pc:picChg>
-      </pc:sldChg>
-      <pc:sldChg chg="modSp">
-        <pc:chgData name="MIGUEL TRIGUEROS MUÑOZ" userId="S::miguel.trigueros@aulaxxi.murciaeduca.es::a4ee0321-97d7-430f-98a8-7ed13ff9a4bf" providerId="AD" clId="Web-{F15B1374-7B7B-86AC-1374-67D5508D71AD}" dt="2024-09-14T16:33:42.728" v="1" actId="1076"/>
-        <pc:sldMkLst>
-          <pc:docMk/>
-          <pc:sldMk cId="442131827" sldId="287"/>
-        </pc:sldMkLst>
-        <pc:picChg chg="mod">
-          <ac:chgData name="MIGUEL TRIGUEROS MUÑOZ" userId="S::miguel.trigueros@aulaxxi.murciaeduca.es::a4ee0321-97d7-430f-98a8-7ed13ff9a4bf" providerId="AD" clId="Web-{F15B1374-7B7B-86AC-1374-67D5508D71AD}" dt="2024-09-14T16:33:42.728" v="1" actId="1076"/>
-          <ac:picMkLst>
-            <pc:docMk/>
-            <pc:sldMk cId="442131827" sldId="287"/>
-            <ac:picMk id="4" creationId="{84049719-CDEF-5114-7CC8-81F8B661346C}"/>
-          </ac:picMkLst>
-        </pc:picChg>
       </pc:sldChg>
     </pc:docChg>
   </pc:docChgLst>
@@ -301,14 +291,6 @@
           <pc:docMk/>
           <pc:sldMk cId="0" sldId="257"/>
         </pc:sldMkLst>
-        <pc:spChg chg="mod">
-          <ac:chgData name="MIGUEL TRIGUEROS MUÑOZ" userId="a4ee0321-97d7-430f-98a8-7ed13ff9a4bf" providerId="ADAL" clId="{862E6893-9E43-49CB-9CE8-0692013F5DA8}" dt="2024-09-11T11:25:24.676" v="364" actId="6549"/>
-          <ac:spMkLst>
-            <pc:docMk/>
-            <pc:sldMk cId="0" sldId="257"/>
-            <ac:spMk id="5" creationId="{00000000-0000-0000-0000-000000000000}"/>
-          </ac:spMkLst>
-        </pc:spChg>
       </pc:sldChg>
       <pc:sldChg chg="del">
         <pc:chgData name="MIGUEL TRIGUEROS MUÑOZ" userId="a4ee0321-97d7-430f-98a8-7ed13ff9a4bf" providerId="ADAL" clId="{862E6893-9E43-49CB-9CE8-0692013F5DA8}" dt="2024-09-11T11:15:12.837" v="16" actId="47"/>
@@ -323,14 +305,6 @@
           <pc:docMk/>
           <pc:sldMk cId="0" sldId="259"/>
         </pc:sldMkLst>
-        <pc:spChg chg="mod">
-          <ac:chgData name="MIGUEL TRIGUEROS MUÑOZ" userId="a4ee0321-97d7-430f-98a8-7ed13ff9a4bf" providerId="ADAL" clId="{862E6893-9E43-49CB-9CE8-0692013F5DA8}" dt="2024-09-11T11:19:47.572" v="203" actId="207"/>
-          <ac:spMkLst>
-            <pc:docMk/>
-            <pc:sldMk cId="0" sldId="259"/>
-            <ac:spMk id="5" creationId="{00000000-0000-0000-0000-000000000000}"/>
-          </ac:spMkLst>
-        </pc:spChg>
       </pc:sldChg>
       <pc:sldChg chg="addSp modSp mod modAnim">
         <pc:chgData name="MIGUEL TRIGUEROS MUÑOZ" userId="a4ee0321-97d7-430f-98a8-7ed13ff9a4bf" providerId="ADAL" clId="{862E6893-9E43-49CB-9CE8-0692013F5DA8}" dt="2024-09-14T16:46:51.806" v="739"/>
@@ -338,110 +312,6 @@
           <pc:docMk/>
           <pc:sldMk cId="0" sldId="261"/>
         </pc:sldMkLst>
-        <pc:spChg chg="mod">
-          <ac:chgData name="MIGUEL TRIGUEROS MUÑOZ" userId="a4ee0321-97d7-430f-98a8-7ed13ff9a4bf" providerId="ADAL" clId="{862E6893-9E43-49CB-9CE8-0692013F5DA8}" dt="2024-09-11T11:16:40.186" v="75" actId="6549"/>
-          <ac:spMkLst>
-            <pc:docMk/>
-            <pc:sldMk cId="0" sldId="261"/>
-            <ac:spMk id="4" creationId="{00000000-0000-0000-0000-000000000000}"/>
-          </ac:spMkLst>
-        </pc:spChg>
-        <pc:spChg chg="mod">
-          <ac:chgData name="MIGUEL TRIGUEROS MUÑOZ" userId="a4ee0321-97d7-430f-98a8-7ed13ff9a4bf" providerId="ADAL" clId="{862E6893-9E43-49CB-9CE8-0692013F5DA8}" dt="2024-09-14T16:46:19.208" v="730" actId="1076"/>
-          <ac:spMkLst>
-            <pc:docMk/>
-            <pc:sldMk cId="0" sldId="261"/>
-            <ac:spMk id="5" creationId="{00000000-0000-0000-0000-000000000000}"/>
-          </ac:spMkLst>
-        </pc:spChg>
-        <pc:spChg chg="add mod">
-          <ac:chgData name="MIGUEL TRIGUEROS MUÑOZ" userId="a4ee0321-97d7-430f-98a8-7ed13ff9a4bf" providerId="ADAL" clId="{862E6893-9E43-49CB-9CE8-0692013F5DA8}" dt="2024-09-14T16:46:03.649" v="724" actId="1076"/>
-          <ac:spMkLst>
-            <pc:docMk/>
-            <pc:sldMk cId="0" sldId="261"/>
-            <ac:spMk id="13" creationId="{0CB56CFB-2308-BAF2-947E-5DB32431FCA0}"/>
-          </ac:spMkLst>
-        </pc:spChg>
-        <pc:spChg chg="add mod">
-          <ac:chgData name="MIGUEL TRIGUEROS MUÑOZ" userId="a4ee0321-97d7-430f-98a8-7ed13ff9a4bf" providerId="ADAL" clId="{862E6893-9E43-49CB-9CE8-0692013F5DA8}" dt="2024-09-14T16:45:58.597" v="723" actId="1076"/>
-          <ac:spMkLst>
-            <pc:docMk/>
-            <pc:sldMk cId="0" sldId="261"/>
-            <ac:spMk id="14" creationId="{B069DDBB-224B-106D-4ADA-3F2374CBD916}"/>
-          </ac:spMkLst>
-        </pc:spChg>
-        <pc:picChg chg="mod modCrop">
-          <ac:chgData name="MIGUEL TRIGUEROS MUÑOZ" userId="a4ee0321-97d7-430f-98a8-7ed13ff9a4bf" providerId="ADAL" clId="{862E6893-9E43-49CB-9CE8-0692013F5DA8}" dt="2024-09-14T16:45:39.913" v="721" actId="732"/>
-          <ac:picMkLst>
-            <pc:docMk/>
-            <pc:sldMk cId="0" sldId="261"/>
-            <ac:picMk id="2" creationId="{D626EDB7-A7D2-54D1-C075-A0D8812F2C02}"/>
-          </ac:picMkLst>
-        </pc:picChg>
-        <pc:picChg chg="add mod">
-          <ac:chgData name="MIGUEL TRIGUEROS MUÑOZ" userId="a4ee0321-97d7-430f-98a8-7ed13ff9a4bf" providerId="ADAL" clId="{862E6893-9E43-49CB-9CE8-0692013F5DA8}" dt="2024-09-11T11:17:48.293" v="97" actId="14100"/>
-          <ac:picMkLst>
-            <pc:docMk/>
-            <pc:sldMk cId="0" sldId="261"/>
-            <ac:picMk id="7" creationId="{2FA91C56-83D1-75B8-2AA7-24DAE4A4BE58}"/>
-          </ac:picMkLst>
-        </pc:picChg>
-        <pc:picChg chg="add mod">
-          <ac:chgData name="MIGUEL TRIGUEROS MUÑOZ" userId="a4ee0321-97d7-430f-98a8-7ed13ff9a4bf" providerId="ADAL" clId="{862E6893-9E43-49CB-9CE8-0692013F5DA8}" dt="2024-09-14T16:46:38.315" v="738" actId="1076"/>
-          <ac:picMkLst>
-            <pc:docMk/>
-            <pc:sldMk cId="0" sldId="261"/>
-            <ac:picMk id="8" creationId="{41E0FFAE-A3AE-1C17-F536-8F0B06BD05C2}"/>
-          </ac:picMkLst>
-        </pc:picChg>
-        <pc:picChg chg="add mod">
-          <ac:chgData name="MIGUEL TRIGUEROS MUÑOZ" userId="a4ee0321-97d7-430f-98a8-7ed13ff9a4bf" providerId="ADAL" clId="{862E6893-9E43-49CB-9CE8-0692013F5DA8}" dt="2024-09-14T16:46:30.777" v="735" actId="14100"/>
-          <ac:picMkLst>
-            <pc:docMk/>
-            <pc:sldMk cId="0" sldId="261"/>
-            <ac:picMk id="9" creationId="{F8E3C7D6-C924-4AEE-581B-71D01A89E4A3}"/>
-          </ac:picMkLst>
-        </pc:picChg>
-        <pc:picChg chg="add mod">
-          <ac:chgData name="MIGUEL TRIGUEROS MUÑOZ" userId="a4ee0321-97d7-430f-98a8-7ed13ff9a4bf" providerId="ADAL" clId="{862E6893-9E43-49CB-9CE8-0692013F5DA8}" dt="2024-09-14T16:46:38.315" v="738" actId="1076"/>
-          <ac:picMkLst>
-            <pc:docMk/>
-            <pc:sldMk cId="0" sldId="261"/>
-            <ac:picMk id="10" creationId="{74D63B63-8944-847D-85E3-56C23A2FD61F}"/>
-          </ac:picMkLst>
-        </pc:picChg>
-        <pc:picChg chg="add mod">
-          <ac:chgData name="MIGUEL TRIGUEROS MUÑOZ" userId="a4ee0321-97d7-430f-98a8-7ed13ff9a4bf" providerId="ADAL" clId="{862E6893-9E43-49CB-9CE8-0692013F5DA8}" dt="2024-09-14T16:46:38.315" v="738" actId="1076"/>
-          <ac:picMkLst>
-            <pc:docMk/>
-            <pc:sldMk cId="0" sldId="261"/>
-            <ac:picMk id="11" creationId="{10B62B8E-0C49-1E36-074D-37BC0A0AAF72}"/>
-          </ac:picMkLst>
-        </pc:picChg>
-        <pc:picChg chg="add mod">
-          <ac:chgData name="MIGUEL TRIGUEROS MUÑOZ" userId="a4ee0321-97d7-430f-98a8-7ed13ff9a4bf" providerId="ADAL" clId="{862E6893-9E43-49CB-9CE8-0692013F5DA8}" dt="2024-09-14T16:46:30.777" v="735" actId="14100"/>
-          <ac:picMkLst>
-            <pc:docMk/>
-            <pc:sldMk cId="0" sldId="261"/>
-            <ac:picMk id="12" creationId="{58B5FB4F-FFE8-443E-F0F1-785513391B83}"/>
-          </ac:picMkLst>
-        </pc:picChg>
-        <pc:picChg chg="add mod">
-          <ac:chgData name="MIGUEL TRIGUEROS MUÑOZ" userId="a4ee0321-97d7-430f-98a8-7ed13ff9a4bf" providerId="ADAL" clId="{862E6893-9E43-49CB-9CE8-0692013F5DA8}" dt="2024-09-14T16:46:16.917" v="728" actId="14100"/>
-          <ac:picMkLst>
-            <pc:docMk/>
-            <pc:sldMk cId="0" sldId="261"/>
-            <ac:picMk id="15" creationId="{22E1E334-BB35-4E28-27CF-D75AE11B459D}"/>
-          </ac:picMkLst>
-        </pc:picChg>
-        <pc:picChg chg="add mod">
-          <ac:chgData name="MIGUEL TRIGUEROS MUÑOZ" userId="a4ee0321-97d7-430f-98a8-7ed13ff9a4bf" providerId="ADAL" clId="{862E6893-9E43-49CB-9CE8-0692013F5DA8}" dt="2024-09-14T16:46:26.846" v="734" actId="1076"/>
-          <ac:picMkLst>
-            <pc:docMk/>
-            <pc:sldMk cId="0" sldId="261"/>
-            <ac:picMk id="16" creationId="{88E9ABB4-E601-F606-74E0-3577109B296A}"/>
-          </ac:picMkLst>
-        </pc:picChg>
       </pc:sldChg>
       <pc:sldChg chg="modSp mod modAnim">
         <pc:chgData name="MIGUEL TRIGUEROS MUÑOZ" userId="a4ee0321-97d7-430f-98a8-7ed13ff9a4bf" providerId="ADAL" clId="{862E6893-9E43-49CB-9CE8-0692013F5DA8}" dt="2024-09-14T16:51:52.701" v="778" actId="20577"/>
@@ -449,14 +319,6 @@
           <pc:docMk/>
           <pc:sldMk cId="0" sldId="263"/>
         </pc:sldMkLst>
-        <pc:spChg chg="mod">
-          <ac:chgData name="MIGUEL TRIGUEROS MUÑOZ" userId="a4ee0321-97d7-430f-98a8-7ed13ff9a4bf" providerId="ADAL" clId="{862E6893-9E43-49CB-9CE8-0692013F5DA8}" dt="2024-09-14T16:51:52.701" v="778" actId="20577"/>
-          <ac:spMkLst>
-            <pc:docMk/>
-            <pc:sldMk cId="0" sldId="263"/>
-            <ac:spMk id="4" creationId="{00000000-0000-0000-0000-000000000000}"/>
-          </ac:spMkLst>
-        </pc:spChg>
       </pc:sldChg>
       <pc:sldChg chg="modSp mod modAnim">
         <pc:chgData name="MIGUEL TRIGUEROS MUÑOZ" userId="a4ee0321-97d7-430f-98a8-7ed13ff9a4bf" providerId="ADAL" clId="{862E6893-9E43-49CB-9CE8-0692013F5DA8}" dt="2024-09-14T16:50:29.044" v="761" actId="20577"/>
@@ -464,22 +326,6 @@
           <pc:docMk/>
           <pc:sldMk cId="0" sldId="266"/>
         </pc:sldMkLst>
-        <pc:spChg chg="mod">
-          <ac:chgData name="MIGUEL TRIGUEROS MUÑOZ" userId="a4ee0321-97d7-430f-98a8-7ed13ff9a4bf" providerId="ADAL" clId="{862E6893-9E43-49CB-9CE8-0692013F5DA8}" dt="2024-09-14T16:50:29.044" v="761" actId="20577"/>
-          <ac:spMkLst>
-            <pc:docMk/>
-            <pc:sldMk cId="0" sldId="266"/>
-            <ac:spMk id="4" creationId="{00000000-0000-0000-0000-000000000000}"/>
-          </ac:spMkLst>
-        </pc:spChg>
-        <pc:spChg chg="mod">
-          <ac:chgData name="MIGUEL TRIGUEROS MUÑOZ" userId="a4ee0321-97d7-430f-98a8-7ed13ff9a4bf" providerId="ADAL" clId="{862E6893-9E43-49CB-9CE8-0692013F5DA8}" dt="2024-09-11T11:22:46.264" v="334" actId="207"/>
-          <ac:spMkLst>
-            <pc:docMk/>
-            <pc:sldMk cId="0" sldId="266"/>
-            <ac:spMk id="5" creationId="{00000000-0000-0000-0000-000000000000}"/>
-          </ac:spMkLst>
-        </pc:spChg>
       </pc:sldChg>
       <pc:sldChg chg="modSp mod modAnim">
         <pc:chgData name="MIGUEL TRIGUEROS MUÑOZ" userId="a4ee0321-97d7-430f-98a8-7ed13ff9a4bf" providerId="ADAL" clId="{862E6893-9E43-49CB-9CE8-0692013F5DA8}" dt="2024-09-14T16:37:41.084" v="641"/>
@@ -487,14 +333,6 @@
           <pc:docMk/>
           <pc:sldMk cId="0" sldId="267"/>
         </pc:sldMkLst>
-        <pc:spChg chg="mod">
-          <ac:chgData name="MIGUEL TRIGUEROS MUÑOZ" userId="a4ee0321-97d7-430f-98a8-7ed13ff9a4bf" providerId="ADAL" clId="{862E6893-9E43-49CB-9CE8-0692013F5DA8}" dt="2024-09-11T11:22:24.482" v="325" actId="207"/>
-          <ac:spMkLst>
-            <pc:docMk/>
-            <pc:sldMk cId="0" sldId="267"/>
-            <ac:spMk id="4" creationId="{00000000-0000-0000-0000-000000000000}"/>
-          </ac:spMkLst>
-        </pc:spChg>
       </pc:sldChg>
       <pc:sldChg chg="modSp mod modAnim">
         <pc:chgData name="MIGUEL TRIGUEROS MUÑOZ" userId="a4ee0321-97d7-430f-98a8-7ed13ff9a4bf" providerId="ADAL" clId="{862E6893-9E43-49CB-9CE8-0692013F5DA8}" dt="2024-09-14T16:37:41.084" v="641"/>
@@ -502,30 +340,6 @@
           <pc:docMk/>
           <pc:sldMk cId="0" sldId="268"/>
         </pc:sldMkLst>
-        <pc:spChg chg="mod">
-          <ac:chgData name="MIGUEL TRIGUEROS MUÑOZ" userId="a4ee0321-97d7-430f-98a8-7ed13ff9a4bf" providerId="ADAL" clId="{862E6893-9E43-49CB-9CE8-0692013F5DA8}" dt="2024-09-11T11:23:49.510" v="338" actId="14100"/>
-          <ac:spMkLst>
-            <pc:docMk/>
-            <pc:sldMk cId="0" sldId="268"/>
-            <ac:spMk id="14" creationId="{00000000-0000-0000-0000-000000000000}"/>
-          </ac:spMkLst>
-        </pc:spChg>
-        <pc:picChg chg="mod">
-          <ac:chgData name="MIGUEL TRIGUEROS MUÑOZ" userId="a4ee0321-97d7-430f-98a8-7ed13ff9a4bf" providerId="ADAL" clId="{862E6893-9E43-49CB-9CE8-0692013F5DA8}" dt="2024-09-11T11:23:59.950" v="340" actId="1076"/>
-          <ac:picMkLst>
-            <pc:docMk/>
-            <pc:sldMk cId="0" sldId="268"/>
-            <ac:picMk id="9" creationId="{00000000-0000-0000-0000-000000000000}"/>
-          </ac:picMkLst>
-        </pc:picChg>
-        <pc:picChg chg="mod">
-          <ac:chgData name="MIGUEL TRIGUEROS MUÑOZ" userId="a4ee0321-97d7-430f-98a8-7ed13ff9a4bf" providerId="ADAL" clId="{862E6893-9E43-49CB-9CE8-0692013F5DA8}" dt="2024-09-11T11:23:41.371" v="336" actId="1076"/>
-          <ac:picMkLst>
-            <pc:docMk/>
-            <pc:sldMk cId="0" sldId="268"/>
-            <ac:picMk id="1026" creationId="{00000000-0000-0000-0000-000000000000}"/>
-          </ac:picMkLst>
-        </pc:picChg>
       </pc:sldChg>
       <pc:sldChg chg="del">
         <pc:chgData name="MIGUEL TRIGUEROS MUÑOZ" userId="a4ee0321-97d7-430f-98a8-7ed13ff9a4bf" providerId="ADAL" clId="{862E6893-9E43-49CB-9CE8-0692013F5DA8}" dt="2024-09-11T11:07:26.893" v="14" actId="2696"/>
@@ -540,14 +354,6 @@
           <pc:docMk/>
           <pc:sldMk cId="0" sldId="270"/>
         </pc:sldMkLst>
-        <pc:spChg chg="mod">
-          <ac:chgData name="MIGUEL TRIGUEROS MUÑOZ" userId="a4ee0321-97d7-430f-98a8-7ed13ff9a4bf" providerId="ADAL" clId="{862E6893-9E43-49CB-9CE8-0692013F5DA8}" dt="2024-09-11T11:22:14.338" v="324" actId="207"/>
-          <ac:spMkLst>
-            <pc:docMk/>
-            <pc:sldMk cId="0" sldId="270"/>
-            <ac:spMk id="5" creationId="{00000000-0000-0000-0000-000000000000}"/>
-          </ac:spMkLst>
-        </pc:spChg>
       </pc:sldChg>
       <pc:sldChg chg="modAnim">
         <pc:chgData name="MIGUEL TRIGUEROS MUÑOZ" userId="a4ee0321-97d7-430f-98a8-7ed13ff9a4bf" providerId="ADAL" clId="{862E6893-9E43-49CB-9CE8-0692013F5DA8}" dt="2024-09-14T16:37:41.084" v="641"/>
@@ -576,14 +382,6 @@
           <pc:docMk/>
           <pc:sldMk cId="0" sldId="274"/>
         </pc:sldMkLst>
-        <pc:spChg chg="mod">
-          <ac:chgData name="MIGUEL TRIGUEROS MUÑOZ" userId="a4ee0321-97d7-430f-98a8-7ed13ff9a4bf" providerId="ADAL" clId="{862E6893-9E43-49CB-9CE8-0692013F5DA8}" dt="2024-09-14T16:55:09.797" v="792" actId="207"/>
-          <ac:spMkLst>
-            <pc:docMk/>
-            <pc:sldMk cId="0" sldId="274"/>
-            <ac:spMk id="4" creationId="{00000000-0000-0000-0000-000000000000}"/>
-          </ac:spMkLst>
-        </pc:spChg>
       </pc:sldChg>
       <pc:sldChg chg="modAnim">
         <pc:chgData name="MIGUEL TRIGUEROS MUÑOZ" userId="a4ee0321-97d7-430f-98a8-7ed13ff9a4bf" providerId="ADAL" clId="{862E6893-9E43-49CB-9CE8-0692013F5DA8}" dt="2024-09-14T16:37:41.084" v="641"/>
@@ -598,14 +396,6 @@
           <pc:docMk/>
           <pc:sldMk cId="0" sldId="279"/>
         </pc:sldMkLst>
-        <pc:spChg chg="mod">
-          <ac:chgData name="MIGUEL TRIGUEROS MUÑOZ" userId="a4ee0321-97d7-430f-98a8-7ed13ff9a4bf" providerId="ADAL" clId="{862E6893-9E43-49CB-9CE8-0692013F5DA8}" dt="2024-09-11T11:21:25.446" v="311" actId="207"/>
-          <ac:spMkLst>
-            <pc:docMk/>
-            <pc:sldMk cId="0" sldId="279"/>
-            <ac:spMk id="5" creationId="{00000000-0000-0000-0000-000000000000}"/>
-          </ac:spMkLst>
-        </pc:spChg>
       </pc:sldChg>
       <pc:sldChg chg="modSp mod modAnim modNotesTx">
         <pc:chgData name="MIGUEL TRIGUEROS MUÑOZ" userId="a4ee0321-97d7-430f-98a8-7ed13ff9a4bf" providerId="ADAL" clId="{862E6893-9E43-49CB-9CE8-0692013F5DA8}" dt="2024-09-14T16:37:41.084" v="641"/>
@@ -613,22 +403,6 @@
           <pc:docMk/>
           <pc:sldMk cId="0" sldId="280"/>
         </pc:sldMkLst>
-        <pc:spChg chg="mod">
-          <ac:chgData name="MIGUEL TRIGUEROS MUÑOZ" userId="a4ee0321-97d7-430f-98a8-7ed13ff9a4bf" providerId="ADAL" clId="{862E6893-9E43-49CB-9CE8-0692013F5DA8}" dt="2024-09-11T11:18:54.862" v="121" actId="13926"/>
-          <ac:spMkLst>
-            <pc:docMk/>
-            <pc:sldMk cId="0" sldId="280"/>
-            <ac:spMk id="4" creationId="{00000000-0000-0000-0000-000000000000}"/>
-          </ac:spMkLst>
-        </pc:spChg>
-        <pc:spChg chg="mod">
-          <ac:chgData name="MIGUEL TRIGUEROS MUÑOZ" userId="a4ee0321-97d7-430f-98a8-7ed13ff9a4bf" providerId="ADAL" clId="{862E6893-9E43-49CB-9CE8-0692013F5DA8}" dt="2024-09-11T11:20:06.992" v="218" actId="207"/>
-          <ac:spMkLst>
-            <pc:docMk/>
-            <pc:sldMk cId="0" sldId="280"/>
-            <ac:spMk id="5" creationId="{00000000-0000-0000-0000-000000000000}"/>
-          </ac:spMkLst>
-        </pc:spChg>
       </pc:sldChg>
       <pc:sldChg chg="modSp mod modAnim">
         <pc:chgData name="MIGUEL TRIGUEROS MUÑOZ" userId="a4ee0321-97d7-430f-98a8-7ed13ff9a4bf" providerId="ADAL" clId="{862E6893-9E43-49CB-9CE8-0692013F5DA8}" dt="2024-09-14T16:48:51.758" v="759" actId="20577"/>
@@ -636,22 +410,6 @@
           <pc:docMk/>
           <pc:sldMk cId="0" sldId="281"/>
         </pc:sldMkLst>
-        <pc:spChg chg="mod">
-          <ac:chgData name="MIGUEL TRIGUEROS MUÑOZ" userId="a4ee0321-97d7-430f-98a8-7ed13ff9a4bf" providerId="ADAL" clId="{862E6893-9E43-49CB-9CE8-0692013F5DA8}" dt="2024-09-14T16:48:51.758" v="759" actId="20577"/>
-          <ac:spMkLst>
-            <pc:docMk/>
-            <pc:sldMk cId="0" sldId="281"/>
-            <ac:spMk id="4" creationId="{00000000-0000-0000-0000-000000000000}"/>
-          </ac:spMkLst>
-        </pc:spChg>
-        <pc:spChg chg="mod">
-          <ac:chgData name="MIGUEL TRIGUEROS MUÑOZ" userId="a4ee0321-97d7-430f-98a8-7ed13ff9a4bf" providerId="ADAL" clId="{862E6893-9E43-49CB-9CE8-0692013F5DA8}" dt="2024-09-11T11:20:23.206" v="235" actId="207"/>
-          <ac:spMkLst>
-            <pc:docMk/>
-            <pc:sldMk cId="0" sldId="281"/>
-            <ac:spMk id="5" creationId="{00000000-0000-0000-0000-000000000000}"/>
-          </ac:spMkLst>
-        </pc:spChg>
       </pc:sldChg>
       <pc:sldChg chg="modSp mod modAnim">
         <pc:chgData name="MIGUEL TRIGUEROS MUÑOZ" userId="a4ee0321-97d7-430f-98a8-7ed13ff9a4bf" providerId="ADAL" clId="{862E6893-9E43-49CB-9CE8-0692013F5DA8}" dt="2024-09-14T16:37:41.084" v="641"/>
@@ -659,22 +417,6 @@
           <pc:docMk/>
           <pc:sldMk cId="0" sldId="282"/>
         </pc:sldMkLst>
-        <pc:spChg chg="mod">
-          <ac:chgData name="MIGUEL TRIGUEROS MUÑOZ" userId="a4ee0321-97d7-430f-98a8-7ed13ff9a4bf" providerId="ADAL" clId="{862E6893-9E43-49CB-9CE8-0692013F5DA8}" dt="2024-09-11T11:20:53.442" v="271" actId="207"/>
-          <ac:spMkLst>
-            <pc:docMk/>
-            <pc:sldMk cId="0" sldId="282"/>
-            <ac:spMk id="4" creationId="{00000000-0000-0000-0000-000000000000}"/>
-          </ac:spMkLst>
-        </pc:spChg>
-        <pc:spChg chg="mod">
-          <ac:chgData name="MIGUEL TRIGUEROS MUÑOZ" userId="a4ee0321-97d7-430f-98a8-7ed13ff9a4bf" providerId="ADAL" clId="{862E6893-9E43-49CB-9CE8-0692013F5DA8}" dt="2024-09-11T11:21:10.232" v="296" actId="207"/>
-          <ac:spMkLst>
-            <pc:docMk/>
-            <pc:sldMk cId="0" sldId="282"/>
-            <ac:spMk id="5" creationId="{00000000-0000-0000-0000-000000000000}"/>
-          </ac:spMkLst>
-        </pc:spChg>
       </pc:sldChg>
       <pc:sldChg chg="modSp mod modAnim">
         <pc:chgData name="MIGUEL TRIGUEROS MUÑOZ" userId="a4ee0321-97d7-430f-98a8-7ed13ff9a4bf" providerId="ADAL" clId="{862E6893-9E43-49CB-9CE8-0692013F5DA8}" dt="2024-09-14T16:37:41.084" v="641"/>
@@ -682,14 +424,6 @@
           <pc:docMk/>
           <pc:sldMk cId="0" sldId="283"/>
         </pc:sldMkLst>
-        <pc:spChg chg="mod">
-          <ac:chgData name="MIGUEL TRIGUEROS MUÑOZ" userId="a4ee0321-97d7-430f-98a8-7ed13ff9a4bf" providerId="ADAL" clId="{862E6893-9E43-49CB-9CE8-0692013F5DA8}" dt="2024-09-11T11:21:38.366" v="314" actId="20577"/>
-          <ac:spMkLst>
-            <pc:docMk/>
-            <pc:sldMk cId="0" sldId="283"/>
-            <ac:spMk id="4" creationId="{00000000-0000-0000-0000-000000000000}"/>
-          </ac:spMkLst>
-        </pc:spChg>
       </pc:sldChg>
       <pc:sldChg chg="modSp mod modAnim">
         <pc:chgData name="MIGUEL TRIGUEROS MUÑOZ" userId="a4ee0321-97d7-430f-98a8-7ed13ff9a4bf" providerId="ADAL" clId="{862E6893-9E43-49CB-9CE8-0692013F5DA8}" dt="2024-09-14T16:49:26.860" v="760" actId="33524"/>
@@ -697,14 +431,6 @@
           <pc:docMk/>
           <pc:sldMk cId="0" sldId="284"/>
         </pc:sldMkLst>
-        <pc:spChg chg="mod">
-          <ac:chgData name="MIGUEL TRIGUEROS MUÑOZ" userId="a4ee0321-97d7-430f-98a8-7ed13ff9a4bf" providerId="ADAL" clId="{862E6893-9E43-49CB-9CE8-0692013F5DA8}" dt="2024-09-14T16:49:26.860" v="760" actId="33524"/>
-          <ac:spMkLst>
-            <pc:docMk/>
-            <pc:sldMk cId="0" sldId="284"/>
-            <ac:spMk id="4" creationId="{00000000-0000-0000-0000-000000000000}"/>
-          </ac:spMkLst>
-        </pc:spChg>
       </pc:sldChg>
       <pc:sldChg chg="modSp mod modAnim">
         <pc:chgData name="MIGUEL TRIGUEROS MUÑOZ" userId="a4ee0321-97d7-430f-98a8-7ed13ff9a4bf" providerId="ADAL" clId="{862E6893-9E43-49CB-9CE8-0692013F5DA8}" dt="2024-09-14T16:37:41.084" v="641"/>
@@ -712,14 +438,6 @@
           <pc:docMk/>
           <pc:sldMk cId="0" sldId="285"/>
         </pc:sldMkLst>
-        <pc:spChg chg="mod">
-          <ac:chgData name="MIGUEL TRIGUEROS MUÑOZ" userId="a4ee0321-97d7-430f-98a8-7ed13ff9a4bf" providerId="ADAL" clId="{862E6893-9E43-49CB-9CE8-0692013F5DA8}" dt="2024-09-11T11:24:40.235" v="360" actId="20577"/>
-          <ac:spMkLst>
-            <pc:docMk/>
-            <pc:sldMk cId="0" sldId="285"/>
-            <ac:spMk id="5" creationId="{00000000-0000-0000-0000-000000000000}"/>
-          </ac:spMkLst>
-        </pc:spChg>
       </pc:sldChg>
       <pc:sldChg chg="modSp add mod modAnim">
         <pc:chgData name="MIGUEL TRIGUEROS MUÑOZ" userId="a4ee0321-97d7-430f-98a8-7ed13ff9a4bf" providerId="ADAL" clId="{862E6893-9E43-49CB-9CE8-0692013F5DA8}" dt="2024-09-14T16:48:02.026" v="758" actId="20577"/>
@@ -727,22 +445,6 @@
           <pc:docMk/>
           <pc:sldMk cId="1562371752" sldId="286"/>
         </pc:sldMkLst>
-        <pc:spChg chg="mod">
-          <ac:chgData name="MIGUEL TRIGUEROS MUÑOZ" userId="a4ee0321-97d7-430f-98a8-7ed13ff9a4bf" providerId="ADAL" clId="{862E6893-9E43-49CB-9CE8-0692013F5DA8}" dt="2024-09-14T16:48:02.026" v="758" actId="20577"/>
-          <ac:spMkLst>
-            <pc:docMk/>
-            <pc:sldMk cId="1562371752" sldId="286"/>
-            <ac:spMk id="4" creationId="{00000000-0000-0000-0000-000000000000}"/>
-          </ac:spMkLst>
-        </pc:spChg>
-        <pc:spChg chg="mod">
-          <ac:chgData name="MIGUEL TRIGUEROS MUÑOZ" userId="a4ee0321-97d7-430f-98a8-7ed13ff9a4bf" providerId="ADAL" clId="{862E6893-9E43-49CB-9CE8-0692013F5DA8}" dt="2024-09-11T11:28:50.718" v="392" actId="207"/>
-          <ac:spMkLst>
-            <pc:docMk/>
-            <pc:sldMk cId="1562371752" sldId="286"/>
-            <ac:spMk id="5" creationId="{00000000-0000-0000-0000-000000000000}"/>
-          </ac:spMkLst>
-        </pc:spChg>
       </pc:sldChg>
       <pc:sldChg chg="addSp modSp add del mod modAnim">
         <pc:chgData name="MIGUEL TRIGUEROS MUÑOZ" userId="a4ee0321-97d7-430f-98a8-7ed13ff9a4bf" providerId="ADAL" clId="{862E6893-9E43-49CB-9CE8-0692013F5DA8}" dt="2024-09-14T16:37:41.084" v="641"/>
@@ -750,22 +452,6 @@
           <pc:docMk/>
           <pc:sldMk cId="442131827" sldId="287"/>
         </pc:sldMkLst>
-        <pc:spChg chg="mod">
-          <ac:chgData name="MIGUEL TRIGUEROS MUÑOZ" userId="a4ee0321-97d7-430f-98a8-7ed13ff9a4bf" providerId="ADAL" clId="{862E6893-9E43-49CB-9CE8-0692013F5DA8}" dt="2024-09-11T11:28:08.830" v="390" actId="20577"/>
-          <ac:spMkLst>
-            <pc:docMk/>
-            <pc:sldMk cId="442131827" sldId="287"/>
-            <ac:spMk id="5" creationId="{00000000-0000-0000-0000-000000000000}"/>
-          </ac:spMkLst>
-        </pc:spChg>
-        <pc:picChg chg="add mod">
-          <ac:chgData name="MIGUEL TRIGUEROS MUÑOZ" userId="a4ee0321-97d7-430f-98a8-7ed13ff9a4bf" providerId="ADAL" clId="{862E6893-9E43-49CB-9CE8-0692013F5DA8}" dt="2024-09-11T11:27:15.622" v="371" actId="1076"/>
-          <ac:picMkLst>
-            <pc:docMk/>
-            <pc:sldMk cId="442131827" sldId="287"/>
-            <ac:picMk id="4" creationId="{84049719-CDEF-5114-7CC8-81F8B661346C}"/>
-          </ac:picMkLst>
-        </pc:picChg>
       </pc:sldChg>
       <pc:sldChg chg="modSp add mod modAnim">
         <pc:chgData name="MIGUEL TRIGUEROS MUÑOZ" userId="a4ee0321-97d7-430f-98a8-7ed13ff9a4bf" providerId="ADAL" clId="{862E6893-9E43-49CB-9CE8-0692013F5DA8}" dt="2024-09-14T16:37:41.084" v="641"/>
@@ -773,14 +459,6 @@
           <pc:docMk/>
           <pc:sldMk cId="1275737992" sldId="288"/>
         </pc:sldMkLst>
-        <pc:spChg chg="mod">
-          <ac:chgData name="MIGUEL TRIGUEROS MUÑOZ" userId="a4ee0321-97d7-430f-98a8-7ed13ff9a4bf" providerId="ADAL" clId="{862E6893-9E43-49CB-9CE8-0692013F5DA8}" dt="2024-09-11T11:45:08.204" v="491" actId="6549"/>
-          <ac:spMkLst>
-            <pc:docMk/>
-            <pc:sldMk cId="1275737992" sldId="288"/>
-            <ac:spMk id="4" creationId="{00000000-0000-0000-0000-000000000000}"/>
-          </ac:spMkLst>
-        </pc:spChg>
       </pc:sldChg>
       <pc:sldChg chg="addSp delSp modSp add mod ord modAnim">
         <pc:chgData name="MIGUEL TRIGUEROS MUÑOZ" userId="a4ee0321-97d7-430f-98a8-7ed13ff9a4bf" providerId="ADAL" clId="{862E6893-9E43-49CB-9CE8-0692013F5DA8}" dt="2024-09-14T16:37:41.084" v="641"/>
@@ -788,38 +466,6 @@
           <pc:docMk/>
           <pc:sldMk cId="4021816360" sldId="289"/>
         </pc:sldMkLst>
-        <pc:spChg chg="add del">
-          <ac:chgData name="MIGUEL TRIGUEROS MUÑOZ" userId="a4ee0321-97d7-430f-98a8-7ed13ff9a4bf" providerId="ADAL" clId="{862E6893-9E43-49CB-9CE8-0692013F5DA8}" dt="2024-09-11T11:40:45.944" v="425" actId="22"/>
-          <ac:spMkLst>
-            <pc:docMk/>
-            <pc:sldMk cId="4021816360" sldId="289"/>
-            <ac:spMk id="4" creationId="{E562A06B-CC0D-7467-F3C4-2F152C8BFAD0}"/>
-          </ac:spMkLst>
-        </pc:spChg>
-        <pc:spChg chg="add mod">
-          <ac:chgData name="MIGUEL TRIGUEROS MUÑOZ" userId="a4ee0321-97d7-430f-98a8-7ed13ff9a4bf" providerId="ADAL" clId="{862E6893-9E43-49CB-9CE8-0692013F5DA8}" dt="2024-09-11T11:44:17.604" v="490" actId="114"/>
-          <ac:spMkLst>
-            <pc:docMk/>
-            <pc:sldMk cId="4021816360" sldId="289"/>
-            <ac:spMk id="7" creationId="{EDE93E75-CFEF-1D59-4A1D-F1F251CADE08}"/>
-          </ac:spMkLst>
-        </pc:spChg>
-        <pc:picChg chg="mod">
-          <ac:chgData name="MIGUEL TRIGUEROS MUÑOZ" userId="a4ee0321-97d7-430f-98a8-7ed13ff9a4bf" providerId="ADAL" clId="{862E6893-9E43-49CB-9CE8-0692013F5DA8}" dt="2024-09-11T11:41:48.744" v="439" actId="1076"/>
-          <ac:picMkLst>
-            <pc:docMk/>
-            <pc:sldMk cId="4021816360" sldId="289"/>
-            <ac:picMk id="2063" creationId="{00000000-0000-0000-0000-000000000000}"/>
-          </ac:picMkLst>
-        </pc:picChg>
-        <pc:picChg chg="mod">
-          <ac:chgData name="MIGUEL TRIGUEROS MUÑOZ" userId="a4ee0321-97d7-430f-98a8-7ed13ff9a4bf" providerId="ADAL" clId="{862E6893-9E43-49CB-9CE8-0692013F5DA8}" dt="2024-09-11T11:41:46.487" v="438" actId="14100"/>
-          <ac:picMkLst>
-            <pc:docMk/>
-            <pc:sldMk cId="4021816360" sldId="289"/>
-            <ac:picMk id="2065" creationId="{00000000-0000-0000-0000-000000000000}"/>
-          </ac:picMkLst>
-        </pc:picChg>
       </pc:sldChg>
       <pc:sldChg chg="addSp delSp modSp add mod modAnim">
         <pc:chgData name="MIGUEL TRIGUEROS MUÑOZ" userId="a4ee0321-97d7-430f-98a8-7ed13ff9a4bf" providerId="ADAL" clId="{862E6893-9E43-49CB-9CE8-0692013F5DA8}" dt="2024-09-14T16:54:59.770" v="791" actId="13926"/>
@@ -827,118 +473,6 @@
           <pc:docMk/>
           <pc:sldMk cId="334953619" sldId="290"/>
         </pc:sldMkLst>
-        <pc:spChg chg="del">
-          <ac:chgData name="MIGUEL TRIGUEROS MUÑOZ" userId="a4ee0321-97d7-430f-98a8-7ed13ff9a4bf" providerId="ADAL" clId="{862E6893-9E43-49CB-9CE8-0692013F5DA8}" dt="2024-09-11T11:52:58.294" v="502" actId="478"/>
-          <ac:spMkLst>
-            <pc:docMk/>
-            <pc:sldMk cId="334953619" sldId="290"/>
-            <ac:spMk id="4" creationId="{00000000-0000-0000-0000-000000000000}"/>
-          </ac:spMkLst>
-        </pc:spChg>
-        <pc:spChg chg="del">
-          <ac:chgData name="MIGUEL TRIGUEROS MUÑOZ" userId="a4ee0321-97d7-430f-98a8-7ed13ff9a4bf" providerId="ADAL" clId="{862E6893-9E43-49CB-9CE8-0692013F5DA8}" dt="2024-09-11T11:53:34.344" v="517" actId="478"/>
-          <ac:spMkLst>
-            <pc:docMk/>
-            <pc:sldMk cId="334953619" sldId="290"/>
-            <ac:spMk id="7" creationId="{00000000-0000-0000-0000-000000000000}"/>
-          </ac:spMkLst>
-        </pc:spChg>
-        <pc:spChg chg="del">
-          <ac:chgData name="MIGUEL TRIGUEROS MUÑOZ" userId="a4ee0321-97d7-430f-98a8-7ed13ff9a4bf" providerId="ADAL" clId="{862E6893-9E43-49CB-9CE8-0692013F5DA8}" dt="2024-09-11T11:53:36.203" v="518" actId="478"/>
-          <ac:spMkLst>
-            <pc:docMk/>
-            <pc:sldMk cId="334953619" sldId="290"/>
-            <ac:spMk id="8" creationId="{00000000-0000-0000-0000-000000000000}"/>
-          </ac:spMkLst>
-        </pc:spChg>
-        <pc:spChg chg="del">
-          <ac:chgData name="MIGUEL TRIGUEROS MUÑOZ" userId="a4ee0321-97d7-430f-98a8-7ed13ff9a4bf" providerId="ADAL" clId="{862E6893-9E43-49CB-9CE8-0692013F5DA8}" dt="2024-09-11T11:53:41.969" v="520" actId="478"/>
-          <ac:spMkLst>
-            <pc:docMk/>
-            <pc:sldMk cId="334953619" sldId="290"/>
-            <ac:spMk id="11" creationId="{00000000-0000-0000-0000-000000000000}"/>
-          </ac:spMkLst>
-        </pc:spChg>
-        <pc:spChg chg="add del mod">
-          <ac:chgData name="MIGUEL TRIGUEROS MUÑOZ" userId="a4ee0321-97d7-430f-98a8-7ed13ff9a4bf" providerId="ADAL" clId="{862E6893-9E43-49CB-9CE8-0692013F5DA8}" dt="2024-09-11T11:53:02.795" v="504" actId="478"/>
-          <ac:spMkLst>
-            <pc:docMk/>
-            <pc:sldMk cId="334953619" sldId="290"/>
-            <ac:spMk id="12" creationId="{380554AC-07E6-809D-FAE0-CC18079735EE}"/>
-          </ac:spMkLst>
-        </pc:spChg>
-        <pc:spChg chg="add mod">
-          <ac:chgData name="MIGUEL TRIGUEROS MUÑOZ" userId="a4ee0321-97d7-430f-98a8-7ed13ff9a4bf" providerId="ADAL" clId="{862E6893-9E43-49CB-9CE8-0692013F5DA8}" dt="2024-09-14T16:54:59.770" v="791" actId="13926"/>
-          <ac:spMkLst>
-            <pc:docMk/>
-            <pc:sldMk cId="334953619" sldId="290"/>
-            <ac:spMk id="13" creationId="{5EA11E6B-57BF-58E2-F9DF-7392F70CAA3B}"/>
-          </ac:spMkLst>
-        </pc:spChg>
-        <pc:spChg chg="del mod">
-          <ac:chgData name="MIGUEL TRIGUEROS MUÑOZ" userId="a4ee0321-97d7-430f-98a8-7ed13ff9a4bf" providerId="ADAL" clId="{862E6893-9E43-49CB-9CE8-0692013F5DA8}" dt="2024-09-11T11:53:21.483" v="512" actId="478"/>
-          <ac:spMkLst>
-            <pc:docMk/>
-            <pc:sldMk cId="334953619" sldId="290"/>
-            <ac:spMk id="14" creationId="{00000000-0000-0000-0000-000000000000}"/>
-          </ac:spMkLst>
-        </pc:spChg>
-        <pc:picChg chg="del">
-          <ac:chgData name="MIGUEL TRIGUEROS MUÑOZ" userId="a4ee0321-97d7-430f-98a8-7ed13ff9a4bf" providerId="ADAL" clId="{862E6893-9E43-49CB-9CE8-0692013F5DA8}" dt="2024-09-11T11:53:31.073" v="514" actId="478"/>
-          <ac:picMkLst>
-            <pc:docMk/>
-            <pc:sldMk cId="334953619" sldId="290"/>
-            <ac:picMk id="2" creationId="{00000000-0000-0000-0000-000000000000}"/>
-          </ac:picMkLst>
-        </pc:picChg>
-        <pc:picChg chg="add mod">
-          <ac:chgData name="MIGUEL TRIGUEROS MUÑOZ" userId="a4ee0321-97d7-430f-98a8-7ed13ff9a4bf" providerId="ADAL" clId="{862E6893-9E43-49CB-9CE8-0692013F5DA8}" dt="2024-09-14T16:54:15.543" v="781" actId="1076"/>
-          <ac:picMkLst>
-            <pc:docMk/>
-            <pc:sldMk cId="334953619" sldId="290"/>
-            <ac:picMk id="2" creationId="{0B09D2C3-0DBF-8768-1ADD-C7FC0114C601}"/>
-          </ac:picMkLst>
-        </pc:picChg>
-        <pc:picChg chg="add mod">
-          <ac:chgData name="MIGUEL TRIGUEROS MUÑOZ" userId="a4ee0321-97d7-430f-98a8-7ed13ff9a4bf" providerId="ADAL" clId="{862E6893-9E43-49CB-9CE8-0692013F5DA8}" dt="2024-09-14T16:54:21.945" v="782" actId="1076"/>
-          <ac:picMkLst>
-            <pc:docMk/>
-            <pc:sldMk cId="334953619" sldId="290"/>
-            <ac:picMk id="4" creationId="{48EAC4F3-B64A-D457-57BF-226EC23E6E46}"/>
-          </ac:picMkLst>
-        </pc:picChg>
-        <pc:picChg chg="mod modCrop">
-          <ac:chgData name="MIGUEL TRIGUEROS MUÑOZ" userId="a4ee0321-97d7-430f-98a8-7ed13ff9a4bf" providerId="ADAL" clId="{862E6893-9E43-49CB-9CE8-0692013F5DA8}" dt="2024-09-11T11:56:59.468" v="640" actId="1076"/>
-          <ac:picMkLst>
-            <pc:docMk/>
-            <pc:sldMk cId="334953619" sldId="290"/>
-            <ac:picMk id="9" creationId="{00000000-0000-0000-0000-000000000000}"/>
-          </ac:picMkLst>
-        </pc:picChg>
-        <pc:picChg chg="del">
-          <ac:chgData name="MIGUEL TRIGUEROS MUÑOZ" userId="a4ee0321-97d7-430f-98a8-7ed13ff9a4bf" providerId="ADAL" clId="{862E6893-9E43-49CB-9CE8-0692013F5DA8}" dt="2024-09-11T11:53:30.308" v="513" actId="478"/>
-          <ac:picMkLst>
-            <pc:docMk/>
-            <pc:sldMk cId="334953619" sldId="290"/>
-            <ac:picMk id="1026" creationId="{00000000-0000-0000-0000-000000000000}"/>
-          </ac:picMkLst>
-        </pc:picChg>
-        <pc:picChg chg="del">
-          <ac:chgData name="MIGUEL TRIGUEROS MUÑOZ" userId="a4ee0321-97d7-430f-98a8-7ed13ff9a4bf" providerId="ADAL" clId="{862E6893-9E43-49CB-9CE8-0692013F5DA8}" dt="2024-09-11T11:53:32.045" v="515" actId="478"/>
-          <ac:picMkLst>
-            <pc:docMk/>
-            <pc:sldMk cId="334953619" sldId="290"/>
-            <ac:picMk id="1027" creationId="{00000000-0000-0000-0000-000000000000}"/>
-          </ac:picMkLst>
-        </pc:picChg>
-        <pc:picChg chg="del">
-          <ac:chgData name="MIGUEL TRIGUEROS MUÑOZ" userId="a4ee0321-97d7-430f-98a8-7ed13ff9a4bf" providerId="ADAL" clId="{862E6893-9E43-49CB-9CE8-0692013F5DA8}" dt="2024-09-11T11:53:32.715" v="516" actId="478"/>
-          <ac:picMkLst>
-            <pc:docMk/>
-            <pc:sldMk cId="334953619" sldId="290"/>
-            <ac:picMk id="1028" creationId="{00000000-0000-0000-0000-000000000000}"/>
-          </ac:picMkLst>
-        </pc:picChg>
       </pc:sldChg>
       <pc:sldMasterChg chg="modSldLayout">
         <pc:chgData name="MIGUEL TRIGUEROS MUÑOZ" userId="a4ee0321-97d7-430f-98a8-7ed13ff9a4bf" providerId="ADAL" clId="{862E6893-9E43-49CB-9CE8-0692013F5DA8}" dt="2024-09-14T16:37:41.084" v="641"/>
@@ -953,15 +487,6 @@
             <pc:sldMasterMk cId="0" sldId="2147483660"/>
             <pc:sldLayoutMk cId="0" sldId="2147483672"/>
           </pc:sldLayoutMkLst>
-          <pc:spChg chg="mod">
-            <ac:chgData name="MIGUEL TRIGUEROS MUÑOZ" userId="a4ee0321-97d7-430f-98a8-7ed13ff9a4bf" providerId="ADAL" clId="{862E6893-9E43-49CB-9CE8-0692013F5DA8}" dt="2024-09-11T11:16:20.648" v="73" actId="255"/>
-            <ac:spMkLst>
-              <pc:docMk/>
-              <pc:sldMasterMk cId="0" sldId="2147483660"/>
-              <pc:sldLayoutMk cId="0" sldId="2147483672"/>
-              <ac:spMk id="10" creationId="{00000000-0000-0000-0000-000000000000}"/>
-            </ac:spMkLst>
-          </pc:spChg>
         </pc:sldLayoutChg>
       </pc:sldMasterChg>
     </pc:docChg>
@@ -1052,7 +577,7 @@
             <a:fld id="{DFD80946-E37D-4EBB-B5D4-C9D892A6B904}" type="datetimeFigureOut">
               <a:rPr lang="es-ES" smtClean="0"/>
               <a:pPr/>
-              <a:t>14/09/2024</a:t>
+              <a:t>03/04/2025</a:t>
             </a:fld>
             <a:endParaRPr lang="es-ES"/>
           </a:p>
@@ -1220,7 +745,7 @@
             <a:fld id="{027D2402-C0C8-443A-BE3A-ADCEC4286CE4}" type="datetimeFigureOut">
               <a:rPr lang="es-ES" smtClean="0"/>
               <a:pPr/>
-              <a:t>14/09/2024</a:t>
+              <a:t>03/04/2025</a:t>
             </a:fld>
             <a:endParaRPr lang="es-ES"/>
           </a:p>
@@ -1724,7 +1249,7 @@
             <a:fld id="{42F4D880-7463-40FC-B558-11B8E7B3C5D4}" type="slidenum">
               <a:rPr lang="es-ES" smtClean="0"/>
               <a:pPr/>
-              <a:t>6</a:t>
+              <a:t>7</a:t>
             </a:fld>
             <a:endParaRPr lang="es-ES"/>
           </a:p>
@@ -2048,7 +1573,7 @@
         <p:spPr>
           <a:xfrm>
             <a:off x="2143108" y="0"/>
-            <a:ext cx="7000892" cy="461665"/>
+            <a:ext cx="7000892" cy="400110"/>
           </a:xfrm>
           <a:prstGeom prst="rect">
             <a:avLst/>
@@ -2067,14 +1592,14 @@
           <a:p>
             <a:pPr algn="ctr"/>
             <a:r>
-              <a:rPr lang="es-ES" sz="2400" b="1" dirty="0">
+              <a:rPr lang="es-ES" sz="2000" b="1" dirty="0">
                 <a:solidFill>
                   <a:schemeClr val="bg1">
                     <a:lumMod val="50000"/>
                   </a:schemeClr>
                 </a:solidFill>
               </a:rPr>
-              <a:t>DESARROLLO DE APLICACIONES MULTIMEDIA</a:t>
+              <a:t>DESARROLLO DE APLICACIONES MULTIPLATAFORMA</a:t>
             </a:r>
           </a:p>
         </p:txBody>
@@ -6150,7 +5675,12 @@
             <p:ph type="body" sz="quarter" idx="10"/>
           </p:nvPr>
         </p:nvSpPr>
-        <p:spPr/>
+        <p:spPr>
+          <a:xfrm>
+            <a:off x="0" y="1268760"/>
+            <a:ext cx="9144000" cy="5400600"/>
+          </a:xfrm>
+        </p:spPr>
         <p:txBody>
           <a:bodyPr/>
           <a:lstStyle/>
@@ -6234,7 +5764,21 @@
               <a:rPr lang="es-ES" dirty="0"/>
               <a:t>RECOMENDADO: disco externo y/o carpeta en la nube</a:t>
             </a:r>
-            <a:endParaRPr lang="es-ES" b="1" u="sng" dirty="0"/>
+          </a:p>
+          <a:p>
+            <a:pPr lvl="1"/>
+            <a:r>
+              <a:rPr lang="es-ES" b="1" u="sng" dirty="0"/>
+              <a:t>No podéis modificar el equipo (cambiar contraseñas, instalar software, </a:t>
+            </a:r>
+            <a:r>
+              <a:rPr lang="es-ES" b="1" u="sng" dirty="0" err="1"/>
+              <a:t>etc</a:t>
+            </a:r>
+            <a:r>
+              <a:rPr lang="es-ES" b="1" u="sng" dirty="0"/>
+              <a:t>)</a:t>
+            </a:r>
           </a:p>
           <a:p>
             <a:pPr marL="0" indent="0">
@@ -6281,8 +5825,8 @@
         </p:nvSpPr>
         <p:spPr>
           <a:xfrm>
-            <a:off x="0" y="6588000"/>
-            <a:ext cx="8532440" cy="288000"/>
+            <a:off x="0" y="6669360"/>
+            <a:ext cx="8532440" cy="206640"/>
           </a:xfrm>
         </p:spPr>
         <p:txBody>
